--- a/Course Lectures/Lecture Twelve PowerPoint- Nested for loop and Matrix multiplication.pptx
+++ b/Course Lectures/Lecture Twelve PowerPoint- Nested for loop and Matrix multiplication.pptx
@@ -223,7 +223,7 @@
           <a:p>
             <a:fld id="{69D75E37-4189-F946-8B4D-DFB471989F6F}" type="datetimeFigureOut">
               <a:rPr lang="en-US" smtClean="0"/>
-              <a:t>4/20/20</a:t>
+              <a:t>11/16/20</a:t>
             </a:fld>
             <a:endParaRPr lang="en-US"/>
           </a:p>
@@ -388,7 +388,7 @@
           <a:p>
             <a:fld id="{523DD6CA-FD72-4788-8868-42C7C694667A}" type="datetimeFigureOut">
               <a:rPr lang="en-US" smtClean="0"/>
-              <a:t>4/20/20</a:t>
+              <a:t>11/16/20</a:t>
             </a:fld>
             <a:endParaRPr lang="en-US"/>
           </a:p>
@@ -784,7 +784,7 @@
           <a:p>
             <a:fld id="{6A4EA626-4EFE-8340-9CD6-8B700DFA6176}" type="datetimeFigureOut">
               <a:rPr lang="en-US" smtClean="0"/>
-              <a:t>4/20/20</a:t>
+              <a:t>11/16/20</a:t>
             </a:fld>
             <a:endParaRPr lang="en-US"/>
           </a:p>
@@ -952,7 +952,7 @@
           <a:p>
             <a:fld id="{6A4EA626-4EFE-8340-9CD6-8B700DFA6176}" type="datetimeFigureOut">
               <a:rPr lang="en-US" smtClean="0"/>
-              <a:t>4/20/20</a:t>
+              <a:t>11/16/20</a:t>
             </a:fld>
             <a:endParaRPr lang="en-US"/>
           </a:p>
@@ -1130,7 +1130,7 @@
           <a:p>
             <a:fld id="{6A4EA626-4EFE-8340-9CD6-8B700DFA6176}" type="datetimeFigureOut">
               <a:rPr lang="en-US" smtClean="0"/>
-              <a:t>4/20/20</a:t>
+              <a:t>11/16/20</a:t>
             </a:fld>
             <a:endParaRPr lang="en-US"/>
           </a:p>
@@ -1320,7 +1320,7 @@
           <a:p>
             <a:fld id="{DF3D680D-33E6-4B67-B6F8-2E2EF474CE4C}" type="datetimeFigureOut">
               <a:rPr lang="en-US" smtClean="0"/>
-              <a:t>4/20/20</a:t>
+              <a:t>11/16/20</a:t>
             </a:fld>
             <a:endParaRPr lang="en-US"/>
           </a:p>
@@ -1488,7 +1488,7 @@
           <a:p>
             <a:fld id="{DF3D680D-33E6-4B67-B6F8-2E2EF474CE4C}" type="datetimeFigureOut">
               <a:rPr lang="en-US" smtClean="0"/>
-              <a:t>4/20/20</a:t>
+              <a:t>11/16/20</a:t>
             </a:fld>
             <a:endParaRPr lang="en-US"/>
           </a:p>
@@ -1733,7 +1733,7 @@
           <a:p>
             <a:fld id="{DF3D680D-33E6-4B67-B6F8-2E2EF474CE4C}" type="datetimeFigureOut">
               <a:rPr lang="en-US" smtClean="0"/>
-              <a:t>4/20/20</a:t>
+              <a:t>11/16/20</a:t>
             </a:fld>
             <a:endParaRPr lang="en-US"/>
           </a:p>
@@ -1962,7 +1962,7 @@
           <a:p>
             <a:fld id="{DF3D680D-33E6-4B67-B6F8-2E2EF474CE4C}" type="datetimeFigureOut">
               <a:rPr lang="en-US" smtClean="0"/>
-              <a:t>4/20/20</a:t>
+              <a:t>11/16/20</a:t>
             </a:fld>
             <a:endParaRPr lang="en-US"/>
           </a:p>
@@ -2326,7 +2326,7 @@
           <a:p>
             <a:fld id="{DF3D680D-33E6-4B67-B6F8-2E2EF474CE4C}" type="datetimeFigureOut">
               <a:rPr lang="en-US" smtClean="0"/>
-              <a:t>4/20/20</a:t>
+              <a:t>11/16/20</a:t>
             </a:fld>
             <a:endParaRPr lang="en-US"/>
           </a:p>
@@ -2443,7 +2443,7 @@
           <a:p>
             <a:fld id="{DF3D680D-33E6-4B67-B6F8-2E2EF474CE4C}" type="datetimeFigureOut">
               <a:rPr lang="en-US" smtClean="0"/>
-              <a:t>4/20/20</a:t>
+              <a:t>11/16/20</a:t>
             </a:fld>
             <a:endParaRPr lang="en-US"/>
           </a:p>
@@ -2538,7 +2538,7 @@
           <a:p>
             <a:fld id="{DF3D680D-33E6-4B67-B6F8-2E2EF474CE4C}" type="datetimeFigureOut">
               <a:rPr lang="en-US" smtClean="0"/>
-              <a:t>4/20/20</a:t>
+              <a:t>11/16/20</a:t>
             </a:fld>
             <a:endParaRPr lang="en-US"/>
           </a:p>
@@ -2813,7 +2813,7 @@
           <a:p>
             <a:fld id="{DF3D680D-33E6-4B67-B6F8-2E2EF474CE4C}" type="datetimeFigureOut">
               <a:rPr lang="en-US" smtClean="0"/>
-              <a:t>4/20/20</a:t>
+              <a:t>11/16/20</a:t>
             </a:fld>
             <a:endParaRPr lang="en-US"/>
           </a:p>
@@ -2981,7 +2981,7 @@
           <a:p>
             <a:fld id="{6A4EA626-4EFE-8340-9CD6-8B700DFA6176}" type="datetimeFigureOut">
               <a:rPr lang="en-US" smtClean="0"/>
-              <a:t>4/20/20</a:t>
+              <a:t>11/16/20</a:t>
             </a:fld>
             <a:endParaRPr lang="en-US"/>
           </a:p>
@@ -3233,7 +3233,7 @@
           <a:p>
             <a:fld id="{DF3D680D-33E6-4B67-B6F8-2E2EF474CE4C}" type="datetimeFigureOut">
               <a:rPr lang="en-US" smtClean="0"/>
-              <a:t>4/20/20</a:t>
+              <a:t>11/16/20</a:t>
             </a:fld>
             <a:endParaRPr lang="en-US"/>
           </a:p>
@@ -3401,7 +3401,7 @@
           <a:p>
             <a:fld id="{DF3D680D-33E6-4B67-B6F8-2E2EF474CE4C}" type="datetimeFigureOut">
               <a:rPr lang="en-US" smtClean="0"/>
-              <a:t>4/20/20</a:t>
+              <a:t>11/16/20</a:t>
             </a:fld>
             <a:endParaRPr lang="en-US"/>
           </a:p>
@@ -3579,7 +3579,7 @@
           <a:p>
             <a:fld id="{DF3D680D-33E6-4B67-B6F8-2E2EF474CE4C}" type="datetimeFigureOut">
               <a:rPr lang="en-US" smtClean="0"/>
-              <a:t>4/20/20</a:t>
+              <a:t>11/16/20</a:t>
             </a:fld>
             <a:endParaRPr lang="en-US"/>
           </a:p>
@@ -3824,7 +3824,7 @@
           <a:p>
             <a:fld id="{6A4EA626-4EFE-8340-9CD6-8B700DFA6176}" type="datetimeFigureOut">
               <a:rPr lang="en-US" smtClean="0"/>
-              <a:t>4/20/20</a:t>
+              <a:t>11/16/20</a:t>
             </a:fld>
             <a:endParaRPr lang="en-US"/>
           </a:p>
@@ -4053,7 +4053,7 @@
           <a:p>
             <a:fld id="{6A4EA626-4EFE-8340-9CD6-8B700DFA6176}" type="datetimeFigureOut">
               <a:rPr lang="en-US" smtClean="0"/>
-              <a:t>4/20/20</a:t>
+              <a:t>11/16/20</a:t>
             </a:fld>
             <a:endParaRPr lang="en-US"/>
           </a:p>
@@ -4417,7 +4417,7 @@
           <a:p>
             <a:fld id="{6A4EA626-4EFE-8340-9CD6-8B700DFA6176}" type="datetimeFigureOut">
               <a:rPr lang="en-US" smtClean="0"/>
-              <a:t>4/20/20</a:t>
+              <a:t>11/16/20</a:t>
             </a:fld>
             <a:endParaRPr lang="en-US"/>
           </a:p>
@@ -4534,7 +4534,7 @@
           <a:p>
             <a:fld id="{6A4EA626-4EFE-8340-9CD6-8B700DFA6176}" type="datetimeFigureOut">
               <a:rPr lang="en-US" smtClean="0"/>
-              <a:t>4/20/20</a:t>
+              <a:t>11/16/20</a:t>
             </a:fld>
             <a:endParaRPr lang="en-US"/>
           </a:p>
@@ -4629,7 +4629,7 @@
           <a:p>
             <a:fld id="{6A4EA626-4EFE-8340-9CD6-8B700DFA6176}" type="datetimeFigureOut">
               <a:rPr lang="en-US" smtClean="0"/>
-              <a:t>4/20/20</a:t>
+              <a:t>11/16/20</a:t>
             </a:fld>
             <a:endParaRPr lang="en-US"/>
           </a:p>
@@ -4904,7 +4904,7 @@
           <a:p>
             <a:fld id="{6A4EA626-4EFE-8340-9CD6-8B700DFA6176}" type="datetimeFigureOut">
               <a:rPr lang="en-US" smtClean="0"/>
-              <a:t>4/20/20</a:t>
+              <a:t>11/16/20</a:t>
             </a:fld>
             <a:endParaRPr lang="en-US"/>
           </a:p>
@@ -5156,7 +5156,7 @@
           <a:p>
             <a:fld id="{6A4EA626-4EFE-8340-9CD6-8B700DFA6176}" type="datetimeFigureOut">
               <a:rPr lang="en-US" smtClean="0"/>
-              <a:t>4/20/20</a:t>
+              <a:t>11/16/20</a:t>
             </a:fld>
             <a:endParaRPr lang="en-US"/>
           </a:p>
@@ -5367,7 +5367,7 @@
           <a:p>
             <a:fld id="{6A4EA626-4EFE-8340-9CD6-8B700DFA6176}" type="datetimeFigureOut">
               <a:rPr lang="en-US" smtClean="0"/>
-              <a:t>4/20/20</a:t>
+              <a:t>11/16/20</a:t>
             </a:fld>
             <a:endParaRPr lang="en-US"/>
           </a:p>
@@ -5905,7 +5905,7 @@
           <a:p>
             <a:fld id="{DF3D680D-33E6-4B67-B6F8-2E2EF474CE4C}" type="datetimeFigureOut">
               <a:rPr lang="en-US" smtClean="0"/>
-              <a:t>4/20/20</a:t>
+              <a:t>11/16/20</a:t>
             </a:fld>
             <a:endParaRPr lang="en-US"/>
           </a:p>
@@ -11394,8 +11394,8 @@
         </p:nvSpPr>
         <p:spPr>
           <a:xfrm>
-            <a:off x="449704" y="1782694"/>
-            <a:ext cx="7741929" cy="4524315"/>
+            <a:off x="465960" y="1273459"/>
+            <a:ext cx="7741929" cy="2308324"/>
           </a:xfrm>
           <a:prstGeom prst="rect">
             <a:avLst/>
@@ -11604,409 +11604,6 @@
                   </a:srgbClr>
                 </a:outerShdw>
               </a:effectLst>
-              <a:latin typeface="Courier New" panose="02070309020205020404" pitchFamily="49" charset="0"/>
-            </a:endParaRPr>
-          </a:p>
-          <a:p>
-            <a:pPr lvl="0">
-              <a:defRPr/>
-            </a:pPr>
-            <a:r>
-              <a:rPr lang="en-US" sz="3600" b="1" dirty="0">
-                <a:solidFill>
-                  <a:srgbClr val="00B050"/>
-                </a:solidFill>
-                <a:effectLst>
-                  <a:outerShdw blurRad="38100" dist="38100" dir="2700000" algn="tl">
-                    <a:srgbClr val="000000">
-                      <a:alpha val="43137"/>
-                    </a:srgbClr>
-                  </a:outerShdw>
-                </a:effectLst>
-                <a:latin typeface="Courier New" panose="02070309020205020404" pitchFamily="49" charset="0"/>
-              </a:rPr>
-              <a:t>for </a:t>
-            </a:r>
-            <a:r>
-              <a:rPr lang="en-US" sz="3600" b="1" dirty="0" err="1">
-                <a:effectLst>
-                  <a:outerShdw blurRad="38100" dist="38100" dir="2700000" algn="tl">
-                    <a:srgbClr val="000000">
-                      <a:alpha val="43137"/>
-                    </a:srgbClr>
-                  </a:outerShdw>
-                </a:effectLst>
-                <a:latin typeface="Courier New" panose="02070309020205020404" pitchFamily="49" charset="0"/>
-              </a:rPr>
-              <a:t>i</a:t>
-            </a:r>
-            <a:r>
-              <a:rPr lang="en-US" sz="3600" b="1" dirty="0">
-                <a:solidFill>
-                  <a:srgbClr val="00B050"/>
-                </a:solidFill>
-                <a:effectLst>
-                  <a:outerShdw blurRad="38100" dist="38100" dir="2700000" algn="tl">
-                    <a:srgbClr val="000000">
-                      <a:alpha val="43137"/>
-                    </a:srgbClr>
-                  </a:outerShdw>
-                </a:effectLst>
-                <a:latin typeface="Courier New" panose="02070309020205020404" pitchFamily="49" charset="0"/>
-              </a:rPr>
-              <a:t> in range</a:t>
-            </a:r>
-            <a:r>
-              <a:rPr lang="en-US" sz="3600" b="1" dirty="0">
-                <a:effectLst>
-                  <a:outerShdw blurRad="38100" dist="38100" dir="2700000" algn="tl">
-                    <a:srgbClr val="000000">
-                      <a:alpha val="43137"/>
-                    </a:srgbClr>
-                  </a:outerShdw>
-                </a:effectLst>
-                <a:latin typeface="Courier New" panose="02070309020205020404" pitchFamily="49" charset="0"/>
-              </a:rPr>
-              <a:t>(</a:t>
-            </a:r>
-            <a:r>
-              <a:rPr lang="en-US" sz="3600" b="1" dirty="0">
-                <a:solidFill>
-                  <a:srgbClr val="00B050"/>
-                </a:solidFill>
-                <a:effectLst>
-                  <a:outerShdw blurRad="38100" dist="38100" dir="2700000" algn="tl">
-                    <a:srgbClr val="000000">
-                      <a:alpha val="43137"/>
-                    </a:srgbClr>
-                  </a:outerShdw>
-                </a:effectLst>
-                <a:latin typeface="Courier New" panose="02070309020205020404" pitchFamily="49" charset="0"/>
-              </a:rPr>
-              <a:t>0</a:t>
-            </a:r>
-            <a:r>
-              <a:rPr lang="en-US" sz="3600" b="1" dirty="0">
-                <a:effectLst>
-                  <a:outerShdw blurRad="38100" dist="38100" dir="2700000" algn="tl">
-                    <a:srgbClr val="000000">
-                      <a:alpha val="43137"/>
-                    </a:srgbClr>
-                  </a:outerShdw>
-                </a:effectLst>
-                <a:latin typeface="Courier New" panose="02070309020205020404" pitchFamily="49" charset="0"/>
-              </a:rPr>
-              <a:t>,</a:t>
-            </a:r>
-            <a:r>
-              <a:rPr lang="en-US" sz="3600" b="1" dirty="0">
-                <a:solidFill>
-                  <a:srgbClr val="00B050"/>
-                </a:solidFill>
-                <a:effectLst>
-                  <a:outerShdw blurRad="38100" dist="38100" dir="2700000" algn="tl">
-                    <a:srgbClr val="000000">
-                      <a:alpha val="43137"/>
-                    </a:srgbClr>
-                  </a:outerShdw>
-                </a:effectLst>
-                <a:latin typeface="Courier New" panose="02070309020205020404" pitchFamily="49" charset="0"/>
-              </a:rPr>
-              <a:t>4</a:t>
-            </a:r>
-            <a:r>
-              <a:rPr lang="en-US" sz="3600" b="1" dirty="0">
-                <a:effectLst>
-                  <a:outerShdw blurRad="38100" dist="38100" dir="2700000" algn="tl">
-                    <a:srgbClr val="000000">
-                      <a:alpha val="43137"/>
-                    </a:srgbClr>
-                  </a:outerShdw>
-                </a:effectLst>
-                <a:latin typeface="Courier New" panose="02070309020205020404" pitchFamily="49" charset="0"/>
-              </a:rPr>
-              <a:t>):</a:t>
-            </a:r>
-          </a:p>
-          <a:p>
-            <a:pPr lvl="0">
-              <a:defRPr/>
-            </a:pPr>
-            <a:r>
-              <a:rPr lang="en-US" sz="3600" b="1" dirty="0">
-                <a:solidFill>
-                  <a:srgbClr val="00B050"/>
-                </a:solidFill>
-                <a:effectLst>
-                  <a:outerShdw blurRad="38100" dist="38100" dir="2700000" algn="tl">
-                    <a:srgbClr val="000000">
-                      <a:alpha val="43137"/>
-                    </a:srgbClr>
-                  </a:outerShdw>
-                </a:effectLst>
-                <a:latin typeface="Courier New" panose="02070309020205020404" pitchFamily="49" charset="0"/>
-              </a:rPr>
-              <a:t>    for </a:t>
-            </a:r>
-            <a:r>
-              <a:rPr lang="en-US" sz="3600" b="1" dirty="0">
-                <a:effectLst>
-                  <a:outerShdw blurRad="38100" dist="38100" dir="2700000" algn="tl">
-                    <a:srgbClr val="000000">
-                      <a:alpha val="43137"/>
-                    </a:srgbClr>
-                  </a:outerShdw>
-                </a:effectLst>
-                <a:latin typeface="Courier New" panose="02070309020205020404" pitchFamily="49" charset="0"/>
-              </a:rPr>
-              <a:t>j</a:t>
-            </a:r>
-            <a:r>
-              <a:rPr lang="en-US" sz="3600" b="1" dirty="0">
-                <a:solidFill>
-                  <a:srgbClr val="00B050"/>
-                </a:solidFill>
-                <a:effectLst>
-                  <a:outerShdw blurRad="38100" dist="38100" dir="2700000" algn="tl">
-                    <a:srgbClr val="000000">
-                      <a:alpha val="43137"/>
-                    </a:srgbClr>
-                  </a:outerShdw>
-                </a:effectLst>
-                <a:latin typeface="Courier New" panose="02070309020205020404" pitchFamily="49" charset="0"/>
-              </a:rPr>
-              <a:t> in  range</a:t>
-            </a:r>
-            <a:r>
-              <a:rPr lang="en-US" sz="3600" b="1" dirty="0">
-                <a:effectLst>
-                  <a:outerShdw blurRad="38100" dist="38100" dir="2700000" algn="tl">
-                    <a:srgbClr val="000000">
-                      <a:alpha val="43137"/>
-                    </a:srgbClr>
-                  </a:outerShdw>
-                </a:effectLst>
-                <a:latin typeface="Courier New" panose="02070309020205020404" pitchFamily="49" charset="0"/>
-              </a:rPr>
-              <a:t>(</a:t>
-            </a:r>
-            <a:r>
-              <a:rPr lang="en-US" sz="3600" b="1" dirty="0">
-                <a:solidFill>
-                  <a:srgbClr val="00B050"/>
-                </a:solidFill>
-                <a:effectLst>
-                  <a:outerShdw blurRad="38100" dist="38100" dir="2700000" algn="tl">
-                    <a:srgbClr val="000000">
-                      <a:alpha val="43137"/>
-                    </a:srgbClr>
-                  </a:outerShdw>
-                </a:effectLst>
-                <a:latin typeface="Courier New" panose="02070309020205020404" pitchFamily="49" charset="0"/>
-              </a:rPr>
-              <a:t>0</a:t>
-            </a:r>
-            <a:r>
-              <a:rPr lang="en-US" sz="3600" b="1" dirty="0">
-                <a:effectLst>
-                  <a:outerShdw blurRad="38100" dist="38100" dir="2700000" algn="tl">
-                    <a:srgbClr val="000000">
-                      <a:alpha val="43137"/>
-                    </a:srgbClr>
-                  </a:outerShdw>
-                </a:effectLst>
-                <a:latin typeface="Courier New" panose="02070309020205020404" pitchFamily="49" charset="0"/>
-              </a:rPr>
-              <a:t>,</a:t>
-            </a:r>
-            <a:r>
-              <a:rPr lang="en-US" sz="3600" b="1" dirty="0">
-                <a:solidFill>
-                  <a:srgbClr val="00B050"/>
-                </a:solidFill>
-                <a:effectLst>
-                  <a:outerShdw blurRad="38100" dist="38100" dir="2700000" algn="tl">
-                    <a:srgbClr val="000000">
-                      <a:alpha val="43137"/>
-                    </a:srgbClr>
-                  </a:outerShdw>
-                </a:effectLst>
-                <a:latin typeface="Courier New" panose="02070309020205020404" pitchFamily="49" charset="0"/>
-              </a:rPr>
-              <a:t>3</a:t>
-            </a:r>
-            <a:r>
-              <a:rPr lang="en-US" sz="3600" b="1" dirty="0">
-                <a:effectLst>
-                  <a:outerShdw blurRad="38100" dist="38100" dir="2700000" algn="tl">
-                    <a:srgbClr val="000000">
-                      <a:alpha val="43137"/>
-                    </a:srgbClr>
-                  </a:outerShdw>
-                </a:effectLst>
-                <a:latin typeface="Courier New" panose="02070309020205020404" pitchFamily="49" charset="0"/>
-              </a:rPr>
-              <a:t>):</a:t>
-            </a:r>
-          </a:p>
-          <a:p>
-            <a:pPr lvl="0">
-              <a:defRPr/>
-            </a:pPr>
-            <a:r>
-              <a:rPr lang="en-US" sz="3600" b="1" dirty="0">
-                <a:solidFill>
-                  <a:srgbClr val="00B050"/>
-                </a:solidFill>
-                <a:effectLst>
-                  <a:outerShdw blurRad="38100" dist="38100" dir="2700000" algn="tl">
-                    <a:srgbClr val="000000">
-                      <a:alpha val="43137"/>
-                    </a:srgbClr>
-                  </a:outerShdw>
-                </a:effectLst>
-                <a:latin typeface="Courier New" panose="02070309020205020404" pitchFamily="49" charset="0"/>
-              </a:rPr>
-              <a:t>        </a:t>
-            </a:r>
-            <a:r>
-              <a:rPr lang="en-US" sz="3600" b="1" dirty="0">
-                <a:effectLst>
-                  <a:outerShdw blurRad="38100" dist="38100" dir="2700000" algn="tl">
-                    <a:srgbClr val="000000">
-                      <a:alpha val="43137"/>
-                    </a:srgbClr>
-                  </a:outerShdw>
-                </a:effectLst>
-                <a:latin typeface="Courier New" panose="02070309020205020404" pitchFamily="49" charset="0"/>
-              </a:rPr>
-              <a:t>M[</a:t>
-            </a:r>
-            <a:r>
-              <a:rPr lang="en-US" sz="3600" b="1" dirty="0" err="1">
-                <a:effectLst>
-                  <a:outerShdw blurRad="38100" dist="38100" dir="2700000" algn="tl">
-                    <a:srgbClr val="000000">
-                      <a:alpha val="43137"/>
-                    </a:srgbClr>
-                  </a:outerShdw>
-                </a:effectLst>
-                <a:latin typeface="Courier New" panose="02070309020205020404" pitchFamily="49" charset="0"/>
-              </a:rPr>
-              <a:t>i,j</a:t>
-            </a:r>
-            <a:r>
-              <a:rPr lang="en-US" sz="3600" b="1" dirty="0">
-                <a:effectLst>
-                  <a:outerShdw blurRad="38100" dist="38100" dir="2700000" algn="tl">
-                    <a:srgbClr val="000000">
-                      <a:alpha val="43137"/>
-                    </a:srgbClr>
-                  </a:outerShdw>
-                </a:effectLst>
-                <a:latin typeface="Courier New" panose="02070309020205020404" pitchFamily="49" charset="0"/>
-              </a:rPr>
-              <a:t>] </a:t>
-            </a:r>
-            <a:r>
-              <a:rPr lang="en-US" sz="3600" b="1" dirty="0">
-                <a:solidFill>
-                  <a:srgbClr val="7030A0"/>
-                </a:solidFill>
-                <a:effectLst>
-                  <a:outerShdw blurRad="38100" dist="38100" dir="2700000" algn="tl">
-                    <a:srgbClr val="000000">
-                      <a:alpha val="43137"/>
-                    </a:srgbClr>
-                  </a:outerShdw>
-                </a:effectLst>
-                <a:latin typeface="Courier New" panose="02070309020205020404" pitchFamily="49" charset="0"/>
-              </a:rPr>
-              <a:t>=</a:t>
-            </a:r>
-            <a:r>
-              <a:rPr lang="en-US" sz="3600" b="1" dirty="0">
-                <a:effectLst>
-                  <a:outerShdw blurRad="38100" dist="38100" dir="2700000" algn="tl">
-                    <a:srgbClr val="000000">
-                      <a:alpha val="43137"/>
-                    </a:srgbClr>
-                  </a:outerShdw>
-                </a:effectLst>
-                <a:latin typeface="Courier New" panose="02070309020205020404" pitchFamily="49" charset="0"/>
-              </a:rPr>
-              <a:t> </a:t>
-            </a:r>
-            <a:r>
-              <a:rPr lang="en-US" sz="3600" b="1" dirty="0" err="1">
-                <a:effectLst>
-                  <a:outerShdw blurRad="38100" dist="38100" dir="2700000" algn="tl">
-                    <a:srgbClr val="000000">
-                      <a:alpha val="43137"/>
-                    </a:srgbClr>
-                  </a:outerShdw>
-                </a:effectLst>
-                <a:latin typeface="Courier New" panose="02070309020205020404" pitchFamily="49" charset="0"/>
-              </a:rPr>
-              <a:t>i</a:t>
-            </a:r>
-            <a:endParaRPr lang="en-US" sz="3600" b="1" dirty="0">
-              <a:effectLst>
-                <a:outerShdw blurRad="38100" dist="38100" dir="2700000" algn="tl">
-                  <a:srgbClr val="000000">
-                    <a:alpha val="43137"/>
-                  </a:srgbClr>
-                </a:outerShdw>
-              </a:effectLst>
-              <a:latin typeface="Courier New" panose="02070309020205020404" pitchFamily="49" charset="0"/>
-            </a:endParaRPr>
-          </a:p>
-          <a:p>
-            <a:pPr lvl="0">
-              <a:defRPr/>
-            </a:pPr>
-            <a:r>
-              <a:rPr lang="en-US" sz="3600" b="1" dirty="0">
-                <a:solidFill>
-                  <a:srgbClr val="00B050"/>
-                </a:solidFill>
-                <a:effectLst>
-                  <a:outerShdw blurRad="38100" dist="38100" dir="2700000" algn="tl">
-                    <a:srgbClr val="000000">
-                      <a:alpha val="43137"/>
-                    </a:srgbClr>
-                  </a:outerShdw>
-                </a:effectLst>
-                <a:latin typeface="Courier New" panose="02070309020205020404" pitchFamily="49" charset="0"/>
-              </a:rPr>
-              <a:t>print(</a:t>
-            </a:r>
-            <a:r>
-              <a:rPr lang="en-US" sz="3600" b="1" dirty="0">
-                <a:effectLst>
-                  <a:outerShdw blurRad="38100" dist="38100" dir="2700000" algn="tl">
-                    <a:srgbClr val="000000">
-                      <a:alpha val="43137"/>
-                    </a:srgbClr>
-                  </a:outerShdw>
-                </a:effectLst>
-                <a:latin typeface="Courier New" panose="02070309020205020404" pitchFamily="49" charset="0"/>
-              </a:rPr>
-              <a:t>M)</a:t>
-            </a:r>
-            <a:endParaRPr kumimoji="0" lang="en-US" sz="3600" b="1" i="0" u="none" strike="noStrike" kern="1200" cap="none" spc="0" normalizeH="0" baseline="0" noProof="0" dirty="0">
-              <a:ln>
-                <a:noFill/>
-              </a:ln>
-              <a:effectLst>
-                <a:outerShdw blurRad="38100" dist="38100" dir="2700000" algn="tl">
-                  <a:srgbClr val="000000">
-                    <a:alpha val="43137"/>
-                  </a:srgbClr>
-                </a:outerShdw>
-              </a:effectLst>
-              <a:uLnTx/>
-              <a:uFillTx/>
               <a:latin typeface="Courier New" panose="02070309020205020404" pitchFamily="49" charset="0"/>
             </a:endParaRPr>
           </a:p>
@@ -12493,6 +12090,422 @@
                 <a:cs typeface="+mn-cs"/>
               </a:rPr>
               <a:t>  3     3     3     </a:t>
+            </a:r>
+          </a:p>
+        </p:txBody>
+      </p:sp>
+      <p:sp>
+        <p:nvSpPr>
+          <p:cNvPr id="4" name="Rectangle 3">
+            <a:extLst>
+              <a:ext uri="{FF2B5EF4-FFF2-40B4-BE49-F238E27FC236}">
+                <a16:creationId xmlns:a16="http://schemas.microsoft.com/office/drawing/2014/main" id="{A6E89BCC-D370-BA4E-9B2A-A538D0647A3A}"/>
+              </a:ext>
+            </a:extLst>
+          </p:cNvPr>
+          <p:cNvSpPr/>
+          <p:nvPr/>
+        </p:nvSpPr>
+        <p:spPr>
+          <a:xfrm>
+            <a:off x="465960" y="3429000"/>
+            <a:ext cx="7741928" cy="2308324"/>
+          </a:xfrm>
+          <a:prstGeom prst="rect">
+            <a:avLst/>
+          </a:prstGeom>
+        </p:spPr>
+        <p:txBody>
+          <a:bodyPr wrap="square">
+            <a:spAutoFit/>
+          </a:bodyPr>
+          <a:lstStyle/>
+          <a:p>
+            <a:pPr lvl="0">
+              <a:defRPr/>
+            </a:pPr>
+            <a:r>
+              <a:rPr lang="en-US" sz="3600" b="1" dirty="0">
+                <a:solidFill>
+                  <a:srgbClr val="00B050"/>
+                </a:solidFill>
+                <a:effectLst>
+                  <a:outerShdw blurRad="38100" dist="38100" dir="2700000" algn="tl">
+                    <a:srgbClr val="000000">
+                      <a:alpha val="43137"/>
+                    </a:srgbClr>
+                  </a:outerShdw>
+                </a:effectLst>
+                <a:latin typeface="Courier New" panose="02070309020205020404" pitchFamily="49" charset="0"/>
+              </a:rPr>
+              <a:t>for </a:t>
+            </a:r>
+            <a:r>
+              <a:rPr lang="en-US" sz="3600" b="1" dirty="0" err="1">
+                <a:effectLst>
+                  <a:outerShdw blurRad="38100" dist="38100" dir="2700000" algn="tl">
+                    <a:srgbClr val="000000">
+                      <a:alpha val="43137"/>
+                    </a:srgbClr>
+                  </a:outerShdw>
+                </a:effectLst>
+                <a:latin typeface="Courier New" panose="02070309020205020404" pitchFamily="49" charset="0"/>
+              </a:rPr>
+              <a:t>i</a:t>
+            </a:r>
+            <a:r>
+              <a:rPr lang="en-US" sz="3600" b="1" dirty="0">
+                <a:solidFill>
+                  <a:srgbClr val="00B050"/>
+                </a:solidFill>
+                <a:effectLst>
+                  <a:outerShdw blurRad="38100" dist="38100" dir="2700000" algn="tl">
+                    <a:srgbClr val="000000">
+                      <a:alpha val="43137"/>
+                    </a:srgbClr>
+                  </a:outerShdw>
+                </a:effectLst>
+                <a:latin typeface="Courier New" panose="02070309020205020404" pitchFamily="49" charset="0"/>
+              </a:rPr>
+              <a:t> in range</a:t>
+            </a:r>
+            <a:r>
+              <a:rPr lang="en-US" sz="3600" b="1" dirty="0">
+                <a:effectLst>
+                  <a:outerShdw blurRad="38100" dist="38100" dir="2700000" algn="tl">
+                    <a:srgbClr val="000000">
+                      <a:alpha val="43137"/>
+                    </a:srgbClr>
+                  </a:outerShdw>
+                </a:effectLst>
+                <a:latin typeface="Courier New" panose="02070309020205020404" pitchFamily="49" charset="0"/>
+              </a:rPr>
+              <a:t>(</a:t>
+            </a:r>
+            <a:r>
+              <a:rPr lang="en-US" sz="3600" b="1" dirty="0">
+                <a:solidFill>
+                  <a:srgbClr val="00B050"/>
+                </a:solidFill>
+                <a:effectLst>
+                  <a:outerShdw blurRad="38100" dist="38100" dir="2700000" algn="tl">
+                    <a:srgbClr val="000000">
+                      <a:alpha val="43137"/>
+                    </a:srgbClr>
+                  </a:outerShdw>
+                </a:effectLst>
+                <a:latin typeface="Courier New" panose="02070309020205020404" pitchFamily="49" charset="0"/>
+              </a:rPr>
+              <a:t>0</a:t>
+            </a:r>
+            <a:r>
+              <a:rPr lang="en-US" sz="3600" b="1" dirty="0">
+                <a:effectLst>
+                  <a:outerShdw blurRad="38100" dist="38100" dir="2700000" algn="tl">
+                    <a:srgbClr val="000000">
+                      <a:alpha val="43137"/>
+                    </a:srgbClr>
+                  </a:outerShdw>
+                </a:effectLst>
+                <a:latin typeface="Courier New" panose="02070309020205020404" pitchFamily="49" charset="0"/>
+              </a:rPr>
+              <a:t>,</a:t>
+            </a:r>
+            <a:r>
+              <a:rPr lang="en-US" sz="3600" b="1" dirty="0">
+                <a:solidFill>
+                  <a:srgbClr val="00B050"/>
+                </a:solidFill>
+                <a:effectLst>
+                  <a:outerShdw blurRad="38100" dist="38100" dir="2700000" algn="tl">
+                    <a:srgbClr val="000000">
+                      <a:alpha val="43137"/>
+                    </a:srgbClr>
+                  </a:outerShdw>
+                </a:effectLst>
+                <a:latin typeface="Courier New" panose="02070309020205020404" pitchFamily="49" charset="0"/>
+              </a:rPr>
+              <a:t>4</a:t>
+            </a:r>
+            <a:r>
+              <a:rPr lang="en-US" sz="3600" b="1" dirty="0">
+                <a:effectLst>
+                  <a:outerShdw blurRad="38100" dist="38100" dir="2700000" algn="tl">
+                    <a:srgbClr val="000000">
+                      <a:alpha val="43137"/>
+                    </a:srgbClr>
+                  </a:outerShdw>
+                </a:effectLst>
+                <a:latin typeface="Courier New" panose="02070309020205020404" pitchFamily="49" charset="0"/>
+              </a:rPr>
+              <a:t>):</a:t>
+            </a:r>
+          </a:p>
+          <a:p>
+            <a:pPr lvl="0">
+              <a:defRPr/>
+            </a:pPr>
+            <a:r>
+              <a:rPr lang="en-US" sz="3600" b="1" dirty="0">
+                <a:solidFill>
+                  <a:srgbClr val="00B050"/>
+                </a:solidFill>
+                <a:effectLst>
+                  <a:outerShdw blurRad="38100" dist="38100" dir="2700000" algn="tl">
+                    <a:srgbClr val="000000">
+                      <a:alpha val="43137"/>
+                    </a:srgbClr>
+                  </a:outerShdw>
+                </a:effectLst>
+                <a:latin typeface="Courier New" panose="02070309020205020404" pitchFamily="49" charset="0"/>
+              </a:rPr>
+              <a:t>    for </a:t>
+            </a:r>
+            <a:r>
+              <a:rPr lang="en-US" sz="3600" b="1" dirty="0">
+                <a:effectLst>
+                  <a:outerShdw blurRad="38100" dist="38100" dir="2700000" algn="tl">
+                    <a:srgbClr val="000000">
+                      <a:alpha val="43137"/>
+                    </a:srgbClr>
+                  </a:outerShdw>
+                </a:effectLst>
+                <a:latin typeface="Courier New" panose="02070309020205020404" pitchFamily="49" charset="0"/>
+              </a:rPr>
+              <a:t>j</a:t>
+            </a:r>
+            <a:r>
+              <a:rPr lang="en-US" sz="3600" b="1" dirty="0">
+                <a:solidFill>
+                  <a:srgbClr val="00B050"/>
+                </a:solidFill>
+                <a:effectLst>
+                  <a:outerShdw blurRad="38100" dist="38100" dir="2700000" algn="tl">
+                    <a:srgbClr val="000000">
+                      <a:alpha val="43137"/>
+                    </a:srgbClr>
+                  </a:outerShdw>
+                </a:effectLst>
+                <a:latin typeface="Courier New" panose="02070309020205020404" pitchFamily="49" charset="0"/>
+              </a:rPr>
+              <a:t> in  range</a:t>
+            </a:r>
+            <a:r>
+              <a:rPr lang="en-US" sz="3600" b="1" dirty="0">
+                <a:effectLst>
+                  <a:outerShdw blurRad="38100" dist="38100" dir="2700000" algn="tl">
+                    <a:srgbClr val="000000">
+                      <a:alpha val="43137"/>
+                    </a:srgbClr>
+                  </a:outerShdw>
+                </a:effectLst>
+                <a:latin typeface="Courier New" panose="02070309020205020404" pitchFamily="49" charset="0"/>
+              </a:rPr>
+              <a:t>(</a:t>
+            </a:r>
+            <a:r>
+              <a:rPr lang="en-US" sz="3600" b="1" dirty="0">
+                <a:solidFill>
+                  <a:srgbClr val="00B050"/>
+                </a:solidFill>
+                <a:effectLst>
+                  <a:outerShdw blurRad="38100" dist="38100" dir="2700000" algn="tl">
+                    <a:srgbClr val="000000">
+                      <a:alpha val="43137"/>
+                    </a:srgbClr>
+                  </a:outerShdw>
+                </a:effectLst>
+                <a:latin typeface="Courier New" panose="02070309020205020404" pitchFamily="49" charset="0"/>
+              </a:rPr>
+              <a:t>0</a:t>
+            </a:r>
+            <a:r>
+              <a:rPr lang="en-US" sz="3600" b="1" dirty="0">
+                <a:effectLst>
+                  <a:outerShdw blurRad="38100" dist="38100" dir="2700000" algn="tl">
+                    <a:srgbClr val="000000">
+                      <a:alpha val="43137"/>
+                    </a:srgbClr>
+                  </a:outerShdw>
+                </a:effectLst>
+                <a:latin typeface="Courier New" panose="02070309020205020404" pitchFamily="49" charset="0"/>
+              </a:rPr>
+              <a:t>,</a:t>
+            </a:r>
+            <a:r>
+              <a:rPr lang="en-US" sz="3600" b="1" dirty="0">
+                <a:solidFill>
+                  <a:srgbClr val="00B050"/>
+                </a:solidFill>
+                <a:effectLst>
+                  <a:outerShdw blurRad="38100" dist="38100" dir="2700000" algn="tl">
+                    <a:srgbClr val="000000">
+                      <a:alpha val="43137"/>
+                    </a:srgbClr>
+                  </a:outerShdw>
+                </a:effectLst>
+                <a:latin typeface="Courier New" panose="02070309020205020404" pitchFamily="49" charset="0"/>
+              </a:rPr>
+              <a:t>3</a:t>
+            </a:r>
+            <a:r>
+              <a:rPr lang="en-US" sz="3600" b="1" dirty="0">
+                <a:effectLst>
+                  <a:outerShdw blurRad="38100" dist="38100" dir="2700000" algn="tl">
+                    <a:srgbClr val="000000">
+                      <a:alpha val="43137"/>
+                    </a:srgbClr>
+                  </a:outerShdw>
+                </a:effectLst>
+                <a:latin typeface="Courier New" panose="02070309020205020404" pitchFamily="49" charset="0"/>
+              </a:rPr>
+              <a:t>):</a:t>
+            </a:r>
+          </a:p>
+          <a:p>
+            <a:pPr lvl="0">
+              <a:defRPr/>
+            </a:pPr>
+            <a:r>
+              <a:rPr lang="en-US" sz="3600" b="1" dirty="0">
+                <a:solidFill>
+                  <a:srgbClr val="00B050"/>
+                </a:solidFill>
+                <a:effectLst>
+                  <a:outerShdw blurRad="38100" dist="38100" dir="2700000" algn="tl">
+                    <a:srgbClr val="000000">
+                      <a:alpha val="43137"/>
+                    </a:srgbClr>
+                  </a:outerShdw>
+                </a:effectLst>
+                <a:latin typeface="Courier New" panose="02070309020205020404" pitchFamily="49" charset="0"/>
+              </a:rPr>
+              <a:t>        </a:t>
+            </a:r>
+            <a:r>
+              <a:rPr lang="en-US" sz="3600" b="1" dirty="0">
+                <a:effectLst>
+                  <a:outerShdw blurRad="38100" dist="38100" dir="2700000" algn="tl">
+                    <a:srgbClr val="000000">
+                      <a:alpha val="43137"/>
+                    </a:srgbClr>
+                  </a:outerShdw>
+                </a:effectLst>
+                <a:latin typeface="Courier New" panose="02070309020205020404" pitchFamily="49" charset="0"/>
+              </a:rPr>
+              <a:t>M[</a:t>
+            </a:r>
+            <a:r>
+              <a:rPr lang="en-US" sz="3600" b="1" dirty="0" err="1">
+                <a:effectLst>
+                  <a:outerShdw blurRad="38100" dist="38100" dir="2700000" algn="tl">
+                    <a:srgbClr val="000000">
+                      <a:alpha val="43137"/>
+                    </a:srgbClr>
+                  </a:outerShdw>
+                </a:effectLst>
+                <a:latin typeface="Courier New" panose="02070309020205020404" pitchFamily="49" charset="0"/>
+              </a:rPr>
+              <a:t>i,j</a:t>
+            </a:r>
+            <a:r>
+              <a:rPr lang="en-US" sz="3600" b="1" dirty="0">
+                <a:effectLst>
+                  <a:outerShdw blurRad="38100" dist="38100" dir="2700000" algn="tl">
+                    <a:srgbClr val="000000">
+                      <a:alpha val="43137"/>
+                    </a:srgbClr>
+                  </a:outerShdw>
+                </a:effectLst>
+                <a:latin typeface="Courier New" panose="02070309020205020404" pitchFamily="49" charset="0"/>
+              </a:rPr>
+              <a:t>] </a:t>
+            </a:r>
+            <a:r>
+              <a:rPr lang="en-US" sz="3600" b="1" dirty="0">
+                <a:solidFill>
+                  <a:srgbClr val="7030A0"/>
+                </a:solidFill>
+                <a:effectLst>
+                  <a:outerShdw blurRad="38100" dist="38100" dir="2700000" algn="tl">
+                    <a:srgbClr val="000000">
+                      <a:alpha val="43137"/>
+                    </a:srgbClr>
+                  </a:outerShdw>
+                </a:effectLst>
+                <a:latin typeface="Courier New" panose="02070309020205020404" pitchFamily="49" charset="0"/>
+              </a:rPr>
+              <a:t>=</a:t>
+            </a:r>
+            <a:r>
+              <a:rPr lang="en-US" sz="3600" b="1" dirty="0">
+                <a:effectLst>
+                  <a:outerShdw blurRad="38100" dist="38100" dir="2700000" algn="tl">
+                    <a:srgbClr val="000000">
+                      <a:alpha val="43137"/>
+                    </a:srgbClr>
+                  </a:outerShdw>
+                </a:effectLst>
+                <a:latin typeface="Courier New" panose="02070309020205020404" pitchFamily="49" charset="0"/>
+              </a:rPr>
+              <a:t> </a:t>
+            </a:r>
+            <a:r>
+              <a:rPr lang="en-US" sz="3600" b="1" dirty="0" err="1">
+                <a:effectLst>
+                  <a:outerShdw blurRad="38100" dist="38100" dir="2700000" algn="tl">
+                    <a:srgbClr val="000000">
+                      <a:alpha val="43137"/>
+                    </a:srgbClr>
+                  </a:outerShdw>
+                </a:effectLst>
+                <a:latin typeface="Courier New" panose="02070309020205020404" pitchFamily="49" charset="0"/>
+              </a:rPr>
+              <a:t>i</a:t>
+            </a:r>
+            <a:endParaRPr lang="en-US" sz="3600" b="1" dirty="0">
+              <a:effectLst>
+                <a:outerShdw blurRad="38100" dist="38100" dir="2700000" algn="tl">
+                  <a:srgbClr val="000000">
+                    <a:alpha val="43137"/>
+                  </a:srgbClr>
+                </a:outerShdw>
+              </a:effectLst>
+              <a:latin typeface="Courier New" panose="02070309020205020404" pitchFamily="49" charset="0"/>
+            </a:endParaRPr>
+          </a:p>
+          <a:p>
+            <a:pPr lvl="0">
+              <a:defRPr/>
+            </a:pPr>
+            <a:r>
+              <a:rPr lang="en-US" sz="3600" b="1" dirty="0">
+                <a:solidFill>
+                  <a:srgbClr val="00B050"/>
+                </a:solidFill>
+                <a:effectLst>
+                  <a:outerShdw blurRad="38100" dist="38100" dir="2700000" algn="tl">
+                    <a:srgbClr val="000000">
+                      <a:alpha val="43137"/>
+                    </a:srgbClr>
+                  </a:outerShdw>
+                </a:effectLst>
+                <a:latin typeface="Courier New" panose="02070309020205020404" pitchFamily="49" charset="0"/>
+              </a:rPr>
+              <a:t>print(</a:t>
+            </a:r>
+            <a:r>
+              <a:rPr lang="en-US" sz="3600" b="1" dirty="0">
+                <a:effectLst>
+                  <a:outerShdw blurRad="38100" dist="38100" dir="2700000" algn="tl">
+                    <a:srgbClr val="000000">
+                      <a:alpha val="43137"/>
+                    </a:srgbClr>
+                  </a:outerShdw>
+                </a:effectLst>
+                <a:latin typeface="Courier New" panose="02070309020205020404" pitchFamily="49" charset="0"/>
+              </a:rPr>
+              <a:t>M)</a:t>
             </a:r>
           </a:p>
         </p:txBody>
@@ -12606,6 +12619,97 @@
                       </p:childTnLst>
                     </p:cTn>
                   </p:par>
+                  <p:par>
+                    <p:cTn id="9" fill="hold">
+                      <p:stCondLst>
+                        <p:cond delay="indefinite"/>
+                      </p:stCondLst>
+                      <p:childTnLst>
+                        <p:par>
+                          <p:cTn id="10" fill="hold">
+                            <p:stCondLst>
+                              <p:cond delay="0"/>
+                            </p:stCondLst>
+                            <p:childTnLst>
+                              <p:par>
+                                <p:cTn id="11" presetID="2" presetClass="entr" presetSubtype="4" fill="hold" grpId="0" nodeType="clickEffect">
+                                  <p:stCondLst>
+                                    <p:cond delay="0"/>
+                                  </p:stCondLst>
+                                  <p:childTnLst>
+                                    <p:set>
+                                      <p:cBhvr>
+                                        <p:cTn id="12" dur="1" fill="hold">
+                                          <p:stCondLst>
+                                            <p:cond delay="0"/>
+                                          </p:stCondLst>
+                                        </p:cTn>
+                                        <p:tgtEl>
+                                          <p:spTgt spid="4"/>
+                                        </p:tgtEl>
+                                        <p:attrNameLst>
+                                          <p:attrName>style.visibility</p:attrName>
+                                        </p:attrNameLst>
+                                      </p:cBhvr>
+                                      <p:to>
+                                        <p:strVal val="visible"/>
+                                      </p:to>
+                                    </p:set>
+                                    <p:anim calcmode="lin" valueType="num">
+                                      <p:cBhvr additive="base">
+                                        <p:cTn id="13" dur="500" fill="hold"/>
+                                        <p:tgtEl>
+                                          <p:spTgt spid="4"/>
+                                        </p:tgtEl>
+                                        <p:attrNameLst>
+                                          <p:attrName>ppt_x</p:attrName>
+                                        </p:attrNameLst>
+                                      </p:cBhvr>
+                                      <p:tavLst>
+                                        <p:tav tm="0">
+                                          <p:val>
+                                            <p:strVal val="#ppt_x"/>
+                                          </p:val>
+                                        </p:tav>
+                                        <p:tav tm="100000">
+                                          <p:val>
+                                            <p:strVal val="#ppt_x"/>
+                                          </p:val>
+                                        </p:tav>
+                                      </p:tavLst>
+                                    </p:anim>
+                                    <p:anim calcmode="lin" valueType="num">
+                                      <p:cBhvr additive="base">
+                                        <p:cTn id="14" dur="500" fill="hold"/>
+                                        <p:tgtEl>
+                                          <p:spTgt spid="4"/>
+                                        </p:tgtEl>
+                                        <p:attrNameLst>
+                                          <p:attrName>ppt_y</p:attrName>
+                                        </p:attrNameLst>
+                                      </p:cBhvr>
+                                      <p:tavLst>
+                                        <p:tav tm="0">
+                                          <p:val>
+                                            <p:strVal val="1+#ppt_h/2"/>
+                                          </p:val>
+                                        </p:tav>
+                                        <p:tav tm="100000">
+                                          <p:val>
+                                            <p:strVal val="#ppt_y"/>
+                                          </p:val>
+                                        </p:tav>
+                                      </p:tavLst>
+                                    </p:anim>
+                                  </p:childTnLst>
+                                </p:cTn>
+                              </p:par>
+                            </p:childTnLst>
+                          </p:cTn>
+                        </p:par>
+                      </p:childTnLst>
+                    </p:cTn>
+                  </p:par>
                 </p:childTnLst>
               </p:cTn>
               <p:prevCondLst>
@@ -12629,6 +12733,7 @@
     </p:tnLst>
     <p:bldLst>
       <p:bldP spid="2" grpId="0"/>
+      <p:bldP spid="4" grpId="0"/>
     </p:bldLst>
   </p:timing>
 </p:sld>
@@ -16123,7 +16228,7 @@
                 </a:effectLst>
                 <a:latin typeface="Courier New" panose="02070309020205020404" pitchFamily="49" charset="0"/>
               </a:rPr>
-              <a:t> 1.0/(i+j-1)</a:t>
+              <a:t> 1/(i+j-1)</a:t>
             </a:r>
           </a:p>
           <a:p>
